--- a/s3/slides/s3.pptx
+++ b/s3/slides/s3.pptx
@@ -216,7 +216,7 @@
           <a:p>
             <a:fld id="{EBD6F028-2067-3740-AA48-A91E93570B1D}" type="datetimeFigureOut">
               <a:rPr lang="en-US" smtClean="0"/>
-              <a:t>10/14/19</a:t>
+              <a:t>10/4/20</a:t>
             </a:fld>
             <a:endParaRPr lang="en-US"/>
           </a:p>
@@ -1566,20 +1566,6 @@
           <a:p>
             <a:r>
               <a:rPr lang="en-US" dirty="0"/>
-              <a:t>Become familiar with the </a:t>
-            </a:r>
-            <a:r>
-              <a:rPr lang="en-US" dirty="0" err="1"/>
-              <a:t>Turtlebot</a:t>
-            </a:r>
-            <a:r>
-              <a:rPr lang="en-US" dirty="0"/>
-              <a:t> hardware.</a:t>
-            </a:r>
-          </a:p>
-          <a:p>
-            <a:r>
-              <a:rPr lang="en-US" dirty="0"/>
               <a:t>Gain a basic understanding of the </a:t>
             </a:r>
             <a:r>
@@ -1650,7 +1636,7 @@
 </file>
 
 <file path=ppt/slides/slide3.xml><?xml version="1.0" encoding="utf-8"?>
-<p:sld xmlns:a="http://schemas.openxmlformats.org/drawingml/2006/main" xmlns:r="http://schemas.openxmlformats.org/officeDocument/2006/relationships" xmlns:p="http://schemas.openxmlformats.org/presentationml/2006/main">
+<p:sld xmlns:a="http://schemas.openxmlformats.org/drawingml/2006/main" xmlns:r="http://schemas.openxmlformats.org/officeDocument/2006/relationships" xmlns:p="http://schemas.openxmlformats.org/presentationml/2006/main" show="0">
   <p:cSld>
     <p:spTree>
       <p:nvGrpSpPr>
@@ -1821,7 +1807,7 @@
 </file>
 
 <file path=ppt/slides/slide4.xml><?xml version="1.0" encoding="utf-8"?>
-<p:sld xmlns:a="http://schemas.openxmlformats.org/drawingml/2006/main" xmlns:r="http://schemas.openxmlformats.org/officeDocument/2006/relationships" xmlns:p="http://schemas.openxmlformats.org/presentationml/2006/main">
+<p:sld xmlns:a="http://schemas.openxmlformats.org/drawingml/2006/main" xmlns:r="http://schemas.openxmlformats.org/officeDocument/2006/relationships" xmlns:p="http://schemas.openxmlformats.org/presentationml/2006/main" show="0">
   <p:cSld>
     <p:spTree>
       <p:nvGrpSpPr>
@@ -2170,15 +2156,23 @@
           <a:p>
             <a:r>
               <a:rPr lang="en-US" dirty="0"/>
-              <a:t>Focuses on getting your computers connected to the </a:t>
+              <a:t>Focuses on getting launching the </a:t>
             </a:r>
             <a:r>
               <a:rPr lang="en-US" dirty="0" err="1"/>
-              <a:t>Turtlebots</a:t>
+              <a:t>Turtlebot</a:t>
             </a:r>
             <a:r>
               <a:rPr lang="en-US" dirty="0"/>
-              <a:t> and able to interact with them.</a:t>
+              <a:t> simulator and learning how to </a:t>
+            </a:r>
+            <a:r>
+              <a:rPr lang="en-US" dirty="0" err="1"/>
+              <a:t>teleop</a:t>
+            </a:r>
+            <a:r>
+              <a:rPr lang="en-US" dirty="0"/>
+              <a:t> them.</a:t>
             </a:r>
           </a:p>
         </p:txBody>

--- a/s3/slides/s3.pptx
+++ b/s3/slides/s3.pptx
@@ -216,7 +216,7 @@
           <a:p>
             <a:fld id="{EBD6F028-2067-3740-AA48-A91E93570B1D}" type="datetimeFigureOut">
               <a:rPr lang="en-US" smtClean="0"/>
-              <a:t>10/4/20</a:t>
+              <a:t>10/11/21</a:t>
             </a:fld>
             <a:endParaRPr lang="en-US"/>
           </a:p>
@@ -1946,7 +1946,7 @@
 </file>
 
 <file path=ppt/slides/slide5.xml><?xml version="1.0" encoding="utf-8"?>
-<p:sld xmlns:a="http://schemas.openxmlformats.org/drawingml/2006/main" xmlns:r="http://schemas.openxmlformats.org/officeDocument/2006/relationships" xmlns:p="http://schemas.openxmlformats.org/presentationml/2006/main">
+<p:sld xmlns:a="http://schemas.openxmlformats.org/drawingml/2006/main" xmlns:r="http://schemas.openxmlformats.org/officeDocument/2006/relationships" xmlns:p="http://schemas.openxmlformats.org/presentationml/2006/main" show="0">
   <p:cSld>
     <p:spTree>
       <p:nvGrpSpPr>
